--- a/Vorgehensweise gemäß Zielsetzung.pptx
+++ b/Vorgehensweise gemäß Zielsetzung.pptx
@@ -7282,6 +7282,79 @@
           <a:xfrm>
             <a:off x="6435007" y="5245358"/>
             <a:ext cx="427" cy="334264"/>
+          </a:xfrm>
+          <a:prstGeom prst="straightConnector1">
+            <a:avLst/>
+          </a:prstGeom>
+          <a:ln w="19050">
+            <a:solidFill>
+              <a:schemeClr val="tx1"/>
+            </a:solidFill>
+            <a:headEnd type="none" w="lg" len="lg"/>
+            <a:tailEnd type="triangle"/>
+          </a:ln>
+        </p:spPr>
+        <p:style>
+          <a:lnRef idx="1">
+            <a:schemeClr val="accent1"/>
+          </a:lnRef>
+          <a:fillRef idx="0">
+            <a:schemeClr val="accent1"/>
+          </a:fillRef>
+          <a:effectRef idx="0">
+            <a:schemeClr val="accent1"/>
+          </a:effectRef>
+          <a:fontRef idx="minor">
+            <a:schemeClr val="tx1"/>
+          </a:fontRef>
+        </p:style>
+      </p:cxnSp>
+      <p:pic>
+        <p:nvPicPr>
+          <p:cNvPr id="37" name="Grafik 36">
+            <a:extLst>
+              <a:ext uri="{FF2B5EF4-FFF2-40B4-BE49-F238E27FC236}">
+                <a16:creationId xmlns:a16="http://schemas.microsoft.com/office/drawing/2014/main" id="{D0F1085E-EDC5-45DC-863C-0300CEFCC9EF}"/>
+              </a:ext>
+            </a:extLst>
+          </p:cNvPr>
+          <p:cNvPicPr>
+            <a:picLocks noChangeAspect="1"/>
+          </p:cNvPicPr>
+          <p:nvPr/>
+        </p:nvPicPr>
+        <p:blipFill>
+          <a:blip r:embed="rId3"/>
+          <a:stretch>
+            <a:fillRect/>
+          </a:stretch>
+        </p:blipFill>
+        <p:spPr>
+          <a:xfrm>
+            <a:off x="7864551" y="3077955"/>
+            <a:ext cx="1074266" cy="889649"/>
+          </a:xfrm>
+          <a:prstGeom prst="rect">
+            <a:avLst/>
+          </a:prstGeom>
+        </p:spPr>
+      </p:pic>
+      <p:cxnSp>
+        <p:nvCxnSpPr>
+          <p:cNvPr id="4" name="Gerade Verbindung mit Pfeil 3">
+            <a:extLst>
+              <a:ext uri="{FF2B5EF4-FFF2-40B4-BE49-F238E27FC236}">
+                <a16:creationId xmlns:a16="http://schemas.microsoft.com/office/drawing/2014/main" id="{B1464445-CF56-4F86-8132-8C7A5DF56982}"/>
+              </a:ext>
+            </a:extLst>
+          </p:cNvPr>
+          <p:cNvCxnSpPr/>
+          <p:nvPr/>
+        </p:nvCxnSpPr>
+        <p:spPr>
+          <a:xfrm flipH="1">
+            <a:off x="7328703" y="3596719"/>
+            <a:ext cx="462992" cy="0"/>
           </a:xfrm>
           <a:prstGeom prst="straightConnector1">
             <a:avLst/>
@@ -8159,13 +8232,13 @@
   <p:clrMapOvr>
     <a:masterClrMapping/>
   </p:clrMapOvr>
-  <mc:AlternateContent xmlns:mc="http://schemas.openxmlformats.org/markup-compatibility/2006">
-    <mc:Choice xmlns:p14="http://schemas.microsoft.com/office/powerpoint/2010/main" Requires="p14">
+  <mc:AlternateContent xmlns:mc="http://schemas.openxmlformats.org/markup-compatibility/2006" xmlns:p14="http://schemas.microsoft.com/office/powerpoint/2010/main">
+    <mc:Choice Requires="p14">
       <p:transition spd="med" p14:dur="700">
         <p:fade/>
       </p:transition>
     </mc:Choice>
-    <mc:Fallback>
+    <mc:Fallback xmlns="">
       <p:transition spd="med">
         <p:fade/>
       </p:transition>

--- a/Vorgehensweise gemäß Zielsetzung.pptx
+++ b/Vorgehensweise gemäß Zielsetzung.pptx
@@ -7382,6 +7382,104 @@
           </a:fontRef>
         </p:style>
       </p:cxnSp>
+      <p:sp>
+        <p:nvSpPr>
+          <p:cNvPr id="48" name="Rechteck 47">
+            <a:extLst>
+              <a:ext uri="{FF2B5EF4-FFF2-40B4-BE49-F238E27FC236}">
+                <a16:creationId xmlns:a16="http://schemas.microsoft.com/office/drawing/2014/main" id="{CE79F41D-B53E-455D-B574-A0BBE26A043E}"/>
+              </a:ext>
+            </a:extLst>
+          </p:cNvPr>
+          <p:cNvSpPr/>
+          <p:nvPr/>
+        </p:nvSpPr>
+        <p:spPr>
+          <a:xfrm>
+            <a:off x="3915152" y="5247625"/>
+            <a:ext cx="2211958" cy="307777"/>
+          </a:xfrm>
+          <a:prstGeom prst="rect">
+            <a:avLst/>
+          </a:prstGeom>
+        </p:spPr>
+        <p:txBody>
+          <a:bodyPr wrap="square">
+            <a:spAutoFit/>
+          </a:bodyPr>
+          <a:lstStyle/>
+          <a:p>
+            <a:r>
+              <a:rPr lang="de-DE" sz="1400" b="1" dirty="0">
+                <a:latin typeface="Calibri" panose="020F0502020204030204" pitchFamily="34" charset="0"/>
+                <a:cs typeface="Times New Roman" panose="02020603050405020304" pitchFamily="18" charset="0"/>
+              </a:rPr>
+              <a:t>  Die Genauigkeit</a:t>
+            </a:r>
+          </a:p>
+        </p:txBody>
+      </p:sp>
+      <p:sp>
+        <p:nvSpPr>
+          <p:cNvPr id="9" name="Halber Rahmen 8">
+            <a:extLst>
+              <a:ext uri="{FF2B5EF4-FFF2-40B4-BE49-F238E27FC236}">
+                <a16:creationId xmlns:a16="http://schemas.microsoft.com/office/drawing/2014/main" id="{3D36AAD7-2453-495B-8B84-1C0E2308286A}"/>
+              </a:ext>
+            </a:extLst>
+          </p:cNvPr>
+          <p:cNvSpPr/>
+          <p:nvPr/>
+        </p:nvSpPr>
+        <p:spPr>
+          <a:xfrm rot="18812612">
+            <a:off x="4598354" y="5686530"/>
+            <a:ext cx="401320" cy="381418"/>
+          </a:xfrm>
+          <a:prstGeom prst="halfFrame">
+            <a:avLst>
+              <a:gd name="adj1" fmla="val 17227"/>
+              <a:gd name="adj2" fmla="val 16485"/>
+            </a:avLst>
+          </a:prstGeom>
+          <a:solidFill>
+            <a:schemeClr val="bg1"/>
+          </a:solidFill>
+          <a:ln w="19050">
+            <a:solidFill>
+              <a:schemeClr val="accent1"/>
+            </a:solidFill>
+          </a:ln>
+        </p:spPr>
+        <p:style>
+          <a:lnRef idx="2">
+            <a:schemeClr val="accent1">
+              <a:shade val="50000"/>
+            </a:schemeClr>
+          </a:lnRef>
+          <a:fillRef idx="1">
+            <a:schemeClr val="accent1"/>
+          </a:fillRef>
+          <a:effectRef idx="0">
+            <a:schemeClr val="accent1"/>
+          </a:effectRef>
+          <a:fontRef idx="minor">
+            <a:schemeClr val="lt1"/>
+          </a:fontRef>
+        </p:style>
+        <p:txBody>
+          <a:bodyPr rtlCol="0" anchor="ctr"/>
+          <a:lstStyle/>
+          <a:p>
+            <a:pPr algn="ctr"/>
+            <a:endParaRPr lang="de-DE">
+              <a:solidFill>
+                <a:schemeClr val="tx1"/>
+              </a:solidFill>
+            </a:endParaRPr>
+          </a:p>
+        </p:txBody>
+      </p:sp>
     </p:spTree>
     <p:extLst>
       <p:ext uri="{BB962C8B-B14F-4D97-AF65-F5344CB8AC3E}">

--- a/Vorgehensweise gemäß Zielsetzung.pptx
+++ b/Vorgehensweise gemäß Zielsetzung.pptx
@@ -7789,7 +7789,7 @@
           <p:nvPr>
             <p:extLst>
               <p:ext uri="{D42A27DB-BD31-4B8C-83A1-F6EECF244321}">
-                <p14:modId xmlns:p14="http://schemas.microsoft.com/office/powerpoint/2010/main" val="1789422035"/>
+                <p14:modId xmlns:p14="http://schemas.microsoft.com/office/powerpoint/2010/main" val="874700897"/>
               </p:ext>
             </p:extLst>
           </p:nvPr>
@@ -7845,7 +7845,7 @@
                     <a:p>
                       <a:r>
                         <a:rPr lang="de-DE" sz="1800" b="0" dirty="0" err="1"/>
-                        <a:t>Selbsbenutze</a:t>
+                        <a:t>Selbstbenutzes</a:t>
                       </a:r>
                       <a:r>
                         <a:rPr lang="de-DE" sz="1800" b="0" dirty="0"/>
